--- a/Injection.pptx
+++ b/Injection.pptx
@@ -131,151 +131,6 @@
 
 <file path=ppt/changesInfos/changesInfo1.xml><?xml version="1.0" encoding="utf-8"?>
 <pc:chgInfo xmlns:a="http://schemas.openxmlformats.org/drawingml/2006/main" xmlns:r="http://schemas.openxmlformats.org/officeDocument/2006/relationships" xmlns:ac="http://schemas.microsoft.com/office/drawing/2013/main/command" xmlns:pc="http://schemas.microsoft.com/office/powerpoint/2013/main/command">
-  <pc:docChgLst>
-    <pc:chgData name="Kevin Xie" userId="e181e4a8-1b72-4457-b141-e399ced35f24" providerId="ADAL" clId="{227962C1-4C3C-4070-9B0E-FDEE61F3D4E5}"/>
-    <pc:docChg chg="custSel addSld delSld modSld sldOrd">
-      <pc:chgData name="Kevin Xie" userId="e181e4a8-1b72-4457-b141-e399ced35f24" providerId="ADAL" clId="{227962C1-4C3C-4070-9B0E-FDEE61F3D4E5}" dt="2023-07-01T09:52:06.459" v="1670" actId="20577"/>
-      <pc:docMkLst>
-        <pc:docMk/>
-      </pc:docMkLst>
-      <pc:sldChg chg="del">
-        <pc:chgData name="Kevin Xie" userId="e181e4a8-1b72-4457-b141-e399ced35f24" providerId="ADAL" clId="{227962C1-4C3C-4070-9B0E-FDEE61F3D4E5}" dt="2023-07-01T09:36:03.265" v="1124" actId="2696"/>
-        <pc:sldMkLst>
-          <pc:docMk/>
-          <pc:sldMk cId="3467613853" sldId="257"/>
-        </pc:sldMkLst>
-      </pc:sldChg>
-      <pc:sldChg chg="modSp mod">
-        <pc:chgData name="Kevin Xie" userId="e181e4a8-1b72-4457-b141-e399ced35f24" providerId="ADAL" clId="{227962C1-4C3C-4070-9B0E-FDEE61F3D4E5}" dt="2023-07-01T09:35:52.989" v="1123" actId="20577"/>
-        <pc:sldMkLst>
-          <pc:docMk/>
-          <pc:sldMk cId="340554449" sldId="258"/>
-        </pc:sldMkLst>
-        <pc:spChg chg="mod">
-          <ac:chgData name="Kevin Xie" userId="e181e4a8-1b72-4457-b141-e399ced35f24" providerId="ADAL" clId="{227962C1-4C3C-4070-9B0E-FDEE61F3D4E5}" dt="2023-07-01T09:35:52.989" v="1123" actId="20577"/>
-          <ac:spMkLst>
-            <pc:docMk/>
-            <pc:sldMk cId="340554449" sldId="258"/>
-            <ac:spMk id="2" creationId="{71DD642C-4654-736C-28A0-058C2CC19359}"/>
-          </ac:spMkLst>
-        </pc:spChg>
-      </pc:sldChg>
-      <pc:sldChg chg="modSp mod">
-        <pc:chgData name="Kevin Xie" userId="e181e4a8-1b72-4457-b141-e399ced35f24" providerId="ADAL" clId="{227962C1-4C3C-4070-9B0E-FDEE61F3D4E5}" dt="2023-07-01T09:35:45.393" v="1117" actId="20577"/>
-        <pc:sldMkLst>
-          <pc:docMk/>
-          <pc:sldMk cId="3350549511" sldId="259"/>
-        </pc:sldMkLst>
-        <pc:spChg chg="mod">
-          <ac:chgData name="Kevin Xie" userId="e181e4a8-1b72-4457-b141-e399ced35f24" providerId="ADAL" clId="{227962C1-4C3C-4070-9B0E-FDEE61F3D4E5}" dt="2023-07-01T09:35:45.393" v="1117" actId="20577"/>
-          <ac:spMkLst>
-            <pc:docMk/>
-            <pc:sldMk cId="3350549511" sldId="259"/>
-            <ac:spMk id="3" creationId="{2E8A7FDD-A973-2E3A-0BCB-2EF9EAF44977}"/>
-          </ac:spMkLst>
-        </pc:spChg>
-      </pc:sldChg>
-      <pc:sldChg chg="modSp mod">
-        <pc:chgData name="Kevin Xie" userId="e181e4a8-1b72-4457-b141-e399ced35f24" providerId="ADAL" clId="{227962C1-4C3C-4070-9B0E-FDEE61F3D4E5}" dt="2023-07-01T09:35:24.672" v="1103" actId="20577"/>
-        <pc:sldMkLst>
-          <pc:docMk/>
-          <pc:sldMk cId="2970337404" sldId="260"/>
-        </pc:sldMkLst>
-        <pc:spChg chg="mod">
-          <ac:chgData name="Kevin Xie" userId="e181e4a8-1b72-4457-b141-e399ced35f24" providerId="ADAL" clId="{227962C1-4C3C-4070-9B0E-FDEE61F3D4E5}" dt="2023-07-01T09:35:24.672" v="1103" actId="20577"/>
-          <ac:spMkLst>
-            <pc:docMk/>
-            <pc:sldMk cId="2970337404" sldId="260"/>
-            <ac:spMk id="2" creationId="{8AF64EC1-9973-3AA4-D714-342B4B7E0D30}"/>
-          </ac:spMkLst>
-        </pc:spChg>
-        <pc:spChg chg="mod">
-          <ac:chgData name="Kevin Xie" userId="e181e4a8-1b72-4457-b141-e399ced35f24" providerId="ADAL" clId="{227962C1-4C3C-4070-9B0E-FDEE61F3D4E5}" dt="2023-07-01T09:23:54.387" v="527" actId="20577"/>
-          <ac:spMkLst>
-            <pc:docMk/>
-            <pc:sldMk cId="2970337404" sldId="260"/>
-            <ac:spMk id="3" creationId="{85E99B28-53A0-8D50-952B-E8D3220F7EE0}"/>
-          </ac:spMkLst>
-        </pc:spChg>
-      </pc:sldChg>
-      <pc:sldChg chg="modSp mod">
-        <pc:chgData name="Kevin Xie" userId="e181e4a8-1b72-4457-b141-e399ced35f24" providerId="ADAL" clId="{227962C1-4C3C-4070-9B0E-FDEE61F3D4E5}" dt="2023-07-01T09:35:30.976" v="1107" actId="20577"/>
-        <pc:sldMkLst>
-          <pc:docMk/>
-          <pc:sldMk cId="2376144545" sldId="261"/>
-        </pc:sldMkLst>
-        <pc:spChg chg="mod">
-          <ac:chgData name="Kevin Xie" userId="e181e4a8-1b72-4457-b141-e399ced35f24" providerId="ADAL" clId="{227962C1-4C3C-4070-9B0E-FDEE61F3D4E5}" dt="2023-07-01T09:35:30.976" v="1107" actId="20577"/>
-          <ac:spMkLst>
-            <pc:docMk/>
-            <pc:sldMk cId="2376144545" sldId="261"/>
-            <ac:spMk id="2" creationId="{F8FF7193-D903-D024-09A8-F591BA55E9A9}"/>
-          </ac:spMkLst>
-        </pc:spChg>
-      </pc:sldChg>
-      <pc:sldChg chg="modSp new mod ord modNotesTx">
-        <pc:chgData name="Kevin Xie" userId="e181e4a8-1b72-4457-b141-e399ced35f24" providerId="ADAL" clId="{227962C1-4C3C-4070-9B0E-FDEE61F3D4E5}" dt="2023-07-01T09:52:06.459" v="1670" actId="20577"/>
-        <pc:sldMkLst>
-          <pc:docMk/>
-          <pc:sldMk cId="152330578" sldId="262"/>
-        </pc:sldMkLst>
-        <pc:spChg chg="mod">
-          <ac:chgData name="Kevin Xie" userId="e181e4a8-1b72-4457-b141-e399ced35f24" providerId="ADAL" clId="{227962C1-4C3C-4070-9B0E-FDEE61F3D4E5}" dt="2023-07-01T09:35:13.856" v="1097" actId="20577"/>
-          <ac:spMkLst>
-            <pc:docMk/>
-            <pc:sldMk cId="152330578" sldId="262"/>
-            <ac:spMk id="2" creationId="{542EF71D-EF05-4836-D34C-49507727A8D6}"/>
-          </ac:spMkLst>
-        </pc:spChg>
-        <pc:spChg chg="mod">
-          <ac:chgData name="Kevin Xie" userId="e181e4a8-1b72-4457-b141-e399ced35f24" providerId="ADAL" clId="{227962C1-4C3C-4070-9B0E-FDEE61F3D4E5}" dt="2023-07-01T09:30:42.100" v="886" actId="5793"/>
-          <ac:spMkLst>
-            <pc:docMk/>
-            <pc:sldMk cId="152330578" sldId="262"/>
-            <ac:spMk id="3" creationId="{A6ED5431-4D24-CD66-786B-9332D05D20E3}"/>
-          </ac:spMkLst>
-        </pc:spChg>
-      </pc:sldChg>
-      <pc:sldChg chg="modSp new del mod">
-        <pc:chgData name="Kevin Xie" userId="e181e4a8-1b72-4457-b141-e399ced35f24" providerId="ADAL" clId="{227962C1-4C3C-4070-9B0E-FDEE61F3D4E5}" dt="2023-07-01T09:24:29.958" v="571" actId="2696"/>
-        <pc:sldMkLst>
-          <pc:docMk/>
-          <pc:sldMk cId="3645140468" sldId="262"/>
-        </pc:sldMkLst>
-        <pc:spChg chg="mod">
-          <ac:chgData name="Kevin Xie" userId="e181e4a8-1b72-4457-b141-e399ced35f24" providerId="ADAL" clId="{227962C1-4C3C-4070-9B0E-FDEE61F3D4E5}" dt="2023-07-01T09:24:22.206" v="570" actId="20577"/>
-          <ac:spMkLst>
-            <pc:docMk/>
-            <pc:sldMk cId="3645140468" sldId="262"/>
-            <ac:spMk id="2" creationId="{56979817-9218-5792-7B69-E6E9F6F4E707}"/>
-          </ac:spMkLst>
-        </pc:spChg>
-      </pc:sldChg>
-      <pc:sldChg chg="modSp new mod">
-        <pc:chgData name="Kevin Xie" userId="e181e4a8-1b72-4457-b141-e399ced35f24" providerId="ADAL" clId="{227962C1-4C3C-4070-9B0E-FDEE61F3D4E5}" dt="2023-07-01T09:35:20.934" v="1101" actId="20577"/>
-        <pc:sldMkLst>
-          <pc:docMk/>
-          <pc:sldMk cId="3598495849" sldId="263"/>
-        </pc:sldMkLst>
-        <pc:spChg chg="mod">
-          <ac:chgData name="Kevin Xie" userId="e181e4a8-1b72-4457-b141-e399ced35f24" providerId="ADAL" clId="{227962C1-4C3C-4070-9B0E-FDEE61F3D4E5}" dt="2023-07-01T09:35:20.934" v="1101" actId="20577"/>
-          <ac:spMkLst>
-            <pc:docMk/>
-            <pc:sldMk cId="3598495849" sldId="263"/>
-            <ac:spMk id="2" creationId="{13D75808-9FAB-A13F-BB17-98462C89D4A9}"/>
-          </ac:spMkLst>
-        </pc:spChg>
-        <pc:spChg chg="mod">
-          <ac:chgData name="Kevin Xie" userId="e181e4a8-1b72-4457-b141-e399ced35f24" providerId="ADAL" clId="{227962C1-4C3C-4070-9B0E-FDEE61F3D4E5}" dt="2023-07-01T09:29:31.926" v="800" actId="20577"/>
-          <ac:spMkLst>
-            <pc:docMk/>
-            <pc:sldMk cId="3598495849" sldId="263"/>
-            <ac:spMk id="3" creationId="{11107BAE-7594-C390-1ED2-86D2161C04C6}"/>
-          </ac:spMkLst>
-        </pc:spChg>
-      </pc:sldChg>
-    </pc:docChg>
-  </pc:docChgLst>
   <pc:docChgLst>
     <pc:chgData name="Kevin Xie" userId="e181e4a8-1b72-4457-b141-e399ced35f24" providerId="ADAL" clId="{48950B08-E58C-4991-ADC4-A50BE1F83A68}"/>
     <pc:docChg chg="custSel modSld">
@@ -447,6 +302,151 @@
     </pc:docChg>
   </pc:docChgLst>
   <pc:docChgLst>
+    <pc:chgData name="Kevin Xie" userId="e181e4a8-1b72-4457-b141-e399ced35f24" providerId="ADAL" clId="{227962C1-4C3C-4070-9B0E-FDEE61F3D4E5}"/>
+    <pc:docChg chg="custSel addSld delSld modSld sldOrd">
+      <pc:chgData name="Kevin Xie" userId="e181e4a8-1b72-4457-b141-e399ced35f24" providerId="ADAL" clId="{227962C1-4C3C-4070-9B0E-FDEE61F3D4E5}" dt="2023-07-01T09:52:06.459" v="1670" actId="20577"/>
+      <pc:docMkLst>
+        <pc:docMk/>
+      </pc:docMkLst>
+      <pc:sldChg chg="del">
+        <pc:chgData name="Kevin Xie" userId="e181e4a8-1b72-4457-b141-e399ced35f24" providerId="ADAL" clId="{227962C1-4C3C-4070-9B0E-FDEE61F3D4E5}" dt="2023-07-01T09:36:03.265" v="1124" actId="2696"/>
+        <pc:sldMkLst>
+          <pc:docMk/>
+          <pc:sldMk cId="3467613853" sldId="257"/>
+        </pc:sldMkLst>
+      </pc:sldChg>
+      <pc:sldChg chg="modSp mod">
+        <pc:chgData name="Kevin Xie" userId="e181e4a8-1b72-4457-b141-e399ced35f24" providerId="ADAL" clId="{227962C1-4C3C-4070-9B0E-FDEE61F3D4E5}" dt="2023-07-01T09:35:52.989" v="1123" actId="20577"/>
+        <pc:sldMkLst>
+          <pc:docMk/>
+          <pc:sldMk cId="340554449" sldId="258"/>
+        </pc:sldMkLst>
+        <pc:spChg chg="mod">
+          <ac:chgData name="Kevin Xie" userId="e181e4a8-1b72-4457-b141-e399ced35f24" providerId="ADAL" clId="{227962C1-4C3C-4070-9B0E-FDEE61F3D4E5}" dt="2023-07-01T09:35:52.989" v="1123" actId="20577"/>
+          <ac:spMkLst>
+            <pc:docMk/>
+            <pc:sldMk cId="340554449" sldId="258"/>
+            <ac:spMk id="2" creationId="{71DD642C-4654-736C-28A0-058C2CC19359}"/>
+          </ac:spMkLst>
+        </pc:spChg>
+      </pc:sldChg>
+      <pc:sldChg chg="modSp mod">
+        <pc:chgData name="Kevin Xie" userId="e181e4a8-1b72-4457-b141-e399ced35f24" providerId="ADAL" clId="{227962C1-4C3C-4070-9B0E-FDEE61F3D4E5}" dt="2023-07-01T09:35:45.393" v="1117" actId="20577"/>
+        <pc:sldMkLst>
+          <pc:docMk/>
+          <pc:sldMk cId="3350549511" sldId="259"/>
+        </pc:sldMkLst>
+        <pc:spChg chg="mod">
+          <ac:chgData name="Kevin Xie" userId="e181e4a8-1b72-4457-b141-e399ced35f24" providerId="ADAL" clId="{227962C1-4C3C-4070-9B0E-FDEE61F3D4E5}" dt="2023-07-01T09:35:45.393" v="1117" actId="20577"/>
+          <ac:spMkLst>
+            <pc:docMk/>
+            <pc:sldMk cId="3350549511" sldId="259"/>
+            <ac:spMk id="3" creationId="{2E8A7FDD-A973-2E3A-0BCB-2EF9EAF44977}"/>
+          </ac:spMkLst>
+        </pc:spChg>
+      </pc:sldChg>
+      <pc:sldChg chg="modSp mod">
+        <pc:chgData name="Kevin Xie" userId="e181e4a8-1b72-4457-b141-e399ced35f24" providerId="ADAL" clId="{227962C1-4C3C-4070-9B0E-FDEE61F3D4E5}" dt="2023-07-01T09:35:24.672" v="1103" actId="20577"/>
+        <pc:sldMkLst>
+          <pc:docMk/>
+          <pc:sldMk cId="2970337404" sldId="260"/>
+        </pc:sldMkLst>
+        <pc:spChg chg="mod">
+          <ac:chgData name="Kevin Xie" userId="e181e4a8-1b72-4457-b141-e399ced35f24" providerId="ADAL" clId="{227962C1-4C3C-4070-9B0E-FDEE61F3D4E5}" dt="2023-07-01T09:35:24.672" v="1103" actId="20577"/>
+          <ac:spMkLst>
+            <pc:docMk/>
+            <pc:sldMk cId="2970337404" sldId="260"/>
+            <ac:spMk id="2" creationId="{8AF64EC1-9973-3AA4-D714-342B4B7E0D30}"/>
+          </ac:spMkLst>
+        </pc:spChg>
+        <pc:spChg chg="mod">
+          <ac:chgData name="Kevin Xie" userId="e181e4a8-1b72-4457-b141-e399ced35f24" providerId="ADAL" clId="{227962C1-4C3C-4070-9B0E-FDEE61F3D4E5}" dt="2023-07-01T09:23:54.387" v="527" actId="20577"/>
+          <ac:spMkLst>
+            <pc:docMk/>
+            <pc:sldMk cId="2970337404" sldId="260"/>
+            <ac:spMk id="3" creationId="{85E99B28-53A0-8D50-952B-E8D3220F7EE0}"/>
+          </ac:spMkLst>
+        </pc:spChg>
+      </pc:sldChg>
+      <pc:sldChg chg="modSp mod">
+        <pc:chgData name="Kevin Xie" userId="e181e4a8-1b72-4457-b141-e399ced35f24" providerId="ADAL" clId="{227962C1-4C3C-4070-9B0E-FDEE61F3D4E5}" dt="2023-07-01T09:35:30.976" v="1107" actId="20577"/>
+        <pc:sldMkLst>
+          <pc:docMk/>
+          <pc:sldMk cId="2376144545" sldId="261"/>
+        </pc:sldMkLst>
+        <pc:spChg chg="mod">
+          <ac:chgData name="Kevin Xie" userId="e181e4a8-1b72-4457-b141-e399ced35f24" providerId="ADAL" clId="{227962C1-4C3C-4070-9B0E-FDEE61F3D4E5}" dt="2023-07-01T09:35:30.976" v="1107" actId="20577"/>
+          <ac:spMkLst>
+            <pc:docMk/>
+            <pc:sldMk cId="2376144545" sldId="261"/>
+            <ac:spMk id="2" creationId="{F8FF7193-D903-D024-09A8-F591BA55E9A9}"/>
+          </ac:spMkLst>
+        </pc:spChg>
+      </pc:sldChg>
+      <pc:sldChg chg="modSp new mod ord modNotesTx">
+        <pc:chgData name="Kevin Xie" userId="e181e4a8-1b72-4457-b141-e399ced35f24" providerId="ADAL" clId="{227962C1-4C3C-4070-9B0E-FDEE61F3D4E5}" dt="2023-07-01T09:52:06.459" v="1670" actId="20577"/>
+        <pc:sldMkLst>
+          <pc:docMk/>
+          <pc:sldMk cId="152330578" sldId="262"/>
+        </pc:sldMkLst>
+        <pc:spChg chg="mod">
+          <ac:chgData name="Kevin Xie" userId="e181e4a8-1b72-4457-b141-e399ced35f24" providerId="ADAL" clId="{227962C1-4C3C-4070-9B0E-FDEE61F3D4E5}" dt="2023-07-01T09:35:13.856" v="1097" actId="20577"/>
+          <ac:spMkLst>
+            <pc:docMk/>
+            <pc:sldMk cId="152330578" sldId="262"/>
+            <ac:spMk id="2" creationId="{542EF71D-EF05-4836-D34C-49507727A8D6}"/>
+          </ac:spMkLst>
+        </pc:spChg>
+        <pc:spChg chg="mod">
+          <ac:chgData name="Kevin Xie" userId="e181e4a8-1b72-4457-b141-e399ced35f24" providerId="ADAL" clId="{227962C1-4C3C-4070-9B0E-FDEE61F3D4E5}" dt="2023-07-01T09:30:42.100" v="886" actId="5793"/>
+          <ac:spMkLst>
+            <pc:docMk/>
+            <pc:sldMk cId="152330578" sldId="262"/>
+            <ac:spMk id="3" creationId="{A6ED5431-4D24-CD66-786B-9332D05D20E3}"/>
+          </ac:spMkLst>
+        </pc:spChg>
+      </pc:sldChg>
+      <pc:sldChg chg="modSp new del mod">
+        <pc:chgData name="Kevin Xie" userId="e181e4a8-1b72-4457-b141-e399ced35f24" providerId="ADAL" clId="{227962C1-4C3C-4070-9B0E-FDEE61F3D4E5}" dt="2023-07-01T09:24:29.958" v="571" actId="2696"/>
+        <pc:sldMkLst>
+          <pc:docMk/>
+          <pc:sldMk cId="3645140468" sldId="262"/>
+        </pc:sldMkLst>
+        <pc:spChg chg="mod">
+          <ac:chgData name="Kevin Xie" userId="e181e4a8-1b72-4457-b141-e399ced35f24" providerId="ADAL" clId="{227962C1-4C3C-4070-9B0E-FDEE61F3D4E5}" dt="2023-07-01T09:24:22.206" v="570" actId="20577"/>
+          <ac:spMkLst>
+            <pc:docMk/>
+            <pc:sldMk cId="3645140468" sldId="262"/>
+            <ac:spMk id="2" creationId="{56979817-9218-5792-7B69-E6E9F6F4E707}"/>
+          </ac:spMkLst>
+        </pc:spChg>
+      </pc:sldChg>
+      <pc:sldChg chg="modSp new mod">
+        <pc:chgData name="Kevin Xie" userId="e181e4a8-1b72-4457-b141-e399ced35f24" providerId="ADAL" clId="{227962C1-4C3C-4070-9B0E-FDEE61F3D4E5}" dt="2023-07-01T09:35:20.934" v="1101" actId="20577"/>
+        <pc:sldMkLst>
+          <pc:docMk/>
+          <pc:sldMk cId="3598495849" sldId="263"/>
+        </pc:sldMkLst>
+        <pc:spChg chg="mod">
+          <ac:chgData name="Kevin Xie" userId="e181e4a8-1b72-4457-b141-e399ced35f24" providerId="ADAL" clId="{227962C1-4C3C-4070-9B0E-FDEE61F3D4E5}" dt="2023-07-01T09:35:20.934" v="1101" actId="20577"/>
+          <ac:spMkLst>
+            <pc:docMk/>
+            <pc:sldMk cId="3598495849" sldId="263"/>
+            <ac:spMk id="2" creationId="{13D75808-9FAB-A13F-BB17-98462C89D4A9}"/>
+          </ac:spMkLst>
+        </pc:spChg>
+        <pc:spChg chg="mod">
+          <ac:chgData name="Kevin Xie" userId="e181e4a8-1b72-4457-b141-e399ced35f24" providerId="ADAL" clId="{227962C1-4C3C-4070-9B0E-FDEE61F3D4E5}" dt="2023-07-01T09:29:31.926" v="800" actId="20577"/>
+          <ac:spMkLst>
+            <pc:docMk/>
+            <pc:sldMk cId="3598495849" sldId="263"/>
+            <ac:spMk id="3" creationId="{11107BAE-7594-C390-1ED2-86D2161C04C6}"/>
+          </ac:spMkLst>
+        </pc:spChg>
+      </pc:sldChg>
+    </pc:docChg>
+  </pc:docChgLst>
+  <pc:docChgLst>
     <pc:chgData name="Adrian Wasser" userId="a1771dd0-9114-42dd-9d05-52d8870435b0" providerId="ADAL" clId="{C0953DFC-ADA6-4D0A-BEFB-D2DA520B739F}"/>
     <pc:docChg chg="custSel addSld modSld sldOrd">
       <pc:chgData name="Adrian Wasser" userId="a1771dd0-9114-42dd-9d05-52d8870435b0" providerId="ADAL" clId="{C0953DFC-ADA6-4D0A-BEFB-D2DA520B739F}" dt="2023-07-01T09:32:56.297" v="768" actId="27636"/>
@@ -586,7 +586,7 @@
           <a:p>
             <a:fld id="{21FA587A-BF84-45C7-9EDC-D910D34A1BBB}" type="datetimeFigureOut">
               <a:rPr lang="de-CH" smtClean="0"/>
-              <a:t>03.07.2023</a:t>
+              <a:t>07.07.2023</a:t>
             </a:fld>
             <a:endParaRPr lang="de-CH"/>
           </a:p>
@@ -899,84 +899,286 @@
           <a:lstStyle/>
           <a:p>
             <a:r>
-              <a:rPr lang="de-DE"/>
-              <a:t>Eingabevalidierung: </a:t>
-            </a:r>
-          </a:p>
-          <a:p>
-            <a:r>
-              <a:rPr lang="de-DE"/>
-              <a:t>Strikte Eingabevalidierung damit alle Benutzereingaben ordnungsgemäss überprüft und validiert werden.</a:t>
-            </a:r>
-          </a:p>
-          <a:p>
-            <a:endParaRPr lang="de-DE"/>
-          </a:p>
-          <a:p>
-            <a:r>
-              <a:rPr lang="de-DE" err="1"/>
+              <a:rPr lang="de-CH" dirty="0"/>
+              <a:t>SQL-</a:t>
+            </a:r>
+            <a:r>
+              <a:rPr lang="de-CH" dirty="0" err="1"/>
+              <a:t>Injection</a:t>
+            </a:r>
+            <a:r>
+              <a:rPr lang="de-CH" dirty="0"/>
+              <a:t> ist grundsätzlich eine Sicherheitslücke, wo der Angreifer schädliche SQL-Code in eine Webanwendung einbringen kann.</a:t>
+            </a:r>
+          </a:p>
+          <a:p>
+            <a:endParaRPr lang="de-CH" dirty="0"/>
+          </a:p>
+          <a:p>
+            <a:r>
+              <a:rPr lang="de-CH" dirty="0"/>
+              <a:t>So kann man auf die Datenbank zugreifen, Daten ändern oder löschen.</a:t>
+            </a:r>
+          </a:p>
+          <a:p>
+            <a:endParaRPr lang="de-CH" dirty="0"/>
+          </a:p>
+          <a:p>
+            <a:r>
+              <a:rPr lang="de-CH" dirty="0"/>
+              <a:t>Die Lücke </a:t>
+            </a:r>
+            <a:r>
+              <a:rPr lang="de-CH" dirty="0" err="1"/>
+              <a:t>ensteht</a:t>
+            </a:r>
+            <a:r>
+              <a:rPr lang="de-CH" dirty="0"/>
+              <a:t>, wenn die Anwendung Benutzereingaben nicht ausreichend validiert und filtert, sodass der eingegebene Code ungeprüft und ausgeführt wird.</a:t>
+            </a:r>
+          </a:p>
+        </p:txBody>
+      </p:sp>
+      <p:sp>
+        <p:nvSpPr>
+          <p:cNvPr id="4" name="Foliennummernplatzhalter 3"/>
+          <p:cNvSpPr>
+            <a:spLocks noGrp="1"/>
+          </p:cNvSpPr>
+          <p:nvPr>
+            <p:ph type="sldNum" sz="quarter" idx="5"/>
+          </p:nvPr>
+        </p:nvSpPr>
+        <p:spPr/>
+        <p:txBody>
+          <a:bodyPr/>
+          <a:lstStyle/>
+          <a:p>
+            <a:fld id="{6AE65518-FC38-4C1E-AFAB-585E16498D21}" type="slidenum">
+              <a:rPr lang="de-CH" smtClean="0"/>
+              <a:t>4</a:t>
+            </a:fld>
+            <a:endParaRPr lang="de-CH"/>
+          </a:p>
+        </p:txBody>
+      </p:sp>
+    </p:spTree>
+    <p:extLst>
+      <p:ext uri="{BB962C8B-B14F-4D97-AF65-F5344CB8AC3E}">
+        <p14:creationId xmlns:p14="http://schemas.microsoft.com/office/powerpoint/2010/main" val="296926544"/>
+      </p:ext>
+    </p:extLst>
+  </p:cSld>
+  <p:clrMapOvr>
+    <a:masterClrMapping/>
+  </p:clrMapOvr>
+</p:notes>
+</file>
+
+<file path=ppt/notesSlides/notesSlide2.xml><?xml version="1.0" encoding="utf-8"?>
+<p:notes xmlns:a="http://schemas.openxmlformats.org/drawingml/2006/main" xmlns:r="http://schemas.openxmlformats.org/officeDocument/2006/relationships" xmlns:p="http://schemas.openxmlformats.org/presentationml/2006/main">
+  <p:cSld>
+    <p:spTree>
+      <p:nvGrpSpPr>
+        <p:cNvPr id="1" name=""/>
+        <p:cNvGrpSpPr/>
+        <p:nvPr/>
+      </p:nvGrpSpPr>
+      <p:grpSpPr>
+        <a:xfrm>
+          <a:off x="0" y="0"/>
+          <a:ext cx="0" cy="0"/>
+          <a:chOff x="0" y="0"/>
+          <a:chExt cx="0" cy="0"/>
+        </a:xfrm>
+      </p:grpSpPr>
+      <p:sp>
+        <p:nvSpPr>
+          <p:cNvPr id="2" name="Folienbildplatzhalter 1"/>
+          <p:cNvSpPr>
+            <a:spLocks noGrp="1" noRot="1" noChangeAspect="1"/>
+          </p:cNvSpPr>
+          <p:nvPr>
+            <p:ph type="sldImg"/>
+          </p:nvPr>
+        </p:nvSpPr>
+        <p:spPr/>
+      </p:sp>
+      <p:sp>
+        <p:nvSpPr>
+          <p:cNvPr id="3" name="Notizenplatzhalter 2"/>
+          <p:cNvSpPr>
+            <a:spLocks noGrp="1"/>
+          </p:cNvSpPr>
+          <p:nvPr>
+            <p:ph type="body" idx="1"/>
+          </p:nvPr>
+        </p:nvSpPr>
+        <p:spPr/>
+        <p:txBody>
+          <a:bodyPr/>
+          <a:lstStyle/>
+          <a:p>
+            <a:r>
+              <a:rPr lang="de-DE" b="0" i="0" dirty="0" err="1">
+                <a:solidFill>
+                  <a:srgbClr val="374151"/>
+                </a:solidFill>
+                <a:effectLst/>
+                <a:latin typeface="Söhne"/>
+              </a:rPr>
               <a:t>Parameterisierte</a:t>
             </a:r>
             <a:r>
-              <a:rPr lang="de-DE"/>
+              <a:rPr lang="de-DE" b="0" i="0" dirty="0">
+                <a:solidFill>
+                  <a:srgbClr val="374151"/>
+                </a:solidFill>
+                <a:effectLst/>
+                <a:latin typeface="Söhne"/>
+              </a:rPr>
               <a:t> Abfragen:</a:t>
             </a:r>
           </a:p>
           <a:p>
             <a:r>
-              <a:rPr lang="de-CH" err="1"/>
-              <a:t>Parameterisierte</a:t>
-            </a:r>
-            <a:r>
-              <a:rPr lang="de-CH"/>
-              <a:t> Abfragen erstellen damit Benutzereingaben nicht direkt in Abfragen oder Befehle eingefügt werden.</a:t>
-            </a:r>
-          </a:p>
-          <a:p>
-            <a:endParaRPr lang="de-CH"/>
-          </a:p>
-          <a:p>
-            <a:r>
-              <a:rPr lang="de-CH" err="1"/>
-              <a:t>Escaping</a:t>
-            </a:r>
-            <a:r>
-              <a:rPr lang="de-CH"/>
-              <a:t> und Encoding:</a:t>
-            </a:r>
-          </a:p>
-          <a:p>
-            <a:r>
-              <a:rPr lang="de-CH" err="1"/>
-              <a:t>Escaping</a:t>
-            </a:r>
-            <a:r>
-              <a:rPr lang="de-CH"/>
-              <a:t>- oder Encoding-Techniken anwenden, um zu prüfen dass alle Benutzereingaben korrekt behandelt werden.</a:t>
-            </a:r>
-          </a:p>
-          <a:p>
-            <a:endParaRPr lang="de-CH"/>
-          </a:p>
-          <a:p>
-            <a:r>
-              <a:rPr lang="de-CH"/>
-              <a:t>Least Privilege </a:t>
-            </a:r>
-            <a:r>
-              <a:rPr lang="de-CH" err="1"/>
-              <a:t>Principle</a:t>
-            </a:r>
-            <a:r>
-              <a:rPr lang="de-CH"/>
+              <a:rPr lang="de-DE" b="0" i="0" dirty="0">
+                <a:solidFill>
+                  <a:srgbClr val="374151"/>
+                </a:solidFill>
+                <a:effectLst/>
+                <a:latin typeface="Söhne"/>
+              </a:rPr>
+              <a:t>Verwenden Sie </a:t>
+            </a:r>
+            <a:r>
+              <a:rPr lang="de-DE" b="0" i="0" dirty="0" err="1">
+                <a:solidFill>
+                  <a:srgbClr val="374151"/>
+                </a:solidFill>
+                <a:effectLst/>
+                <a:latin typeface="Söhne"/>
+              </a:rPr>
+              <a:t>parameterisierte</a:t>
+            </a:r>
+            <a:r>
+              <a:rPr lang="de-DE" b="0" i="0" dirty="0">
+                <a:solidFill>
+                  <a:srgbClr val="374151"/>
+                </a:solidFill>
+                <a:effectLst/>
+                <a:latin typeface="Söhne"/>
+              </a:rPr>
+              <a:t> Abfragen oder vorbereitete Anweisungen, um Benutzereingaben sicher in SQL-Abfragen einzubinden.</a:t>
+            </a:r>
+          </a:p>
+          <a:p>
+            <a:endParaRPr lang="de-DE" dirty="0"/>
+          </a:p>
+          <a:p>
+            <a:endParaRPr lang="de-CH" dirty="0"/>
+          </a:p>
+          <a:p>
+            <a:r>
+              <a:rPr lang="de-CH" dirty="0"/>
+              <a:t>Validierung Benutzereingaben:</a:t>
+            </a:r>
+          </a:p>
+          <a:p>
+            <a:r>
+              <a:rPr lang="de-CH" dirty="0"/>
+              <a:t>Validieren und bereinigen von Benutzereingabe, um potenziell gefährliche Zeichen zu entfernen oder zu </a:t>
+            </a:r>
+            <a:r>
+              <a:rPr lang="de-CH" dirty="0" err="1"/>
+              <a:t>escapen</a:t>
+            </a:r>
+            <a:r>
+              <a:rPr lang="de-CH" dirty="0"/>
+              <a:t>.</a:t>
+            </a:r>
+          </a:p>
+          <a:p>
+            <a:endParaRPr lang="de-CH" dirty="0"/>
+          </a:p>
+          <a:p>
+            <a:endParaRPr lang="de-CH" dirty="0"/>
+          </a:p>
+          <a:p>
+            <a:r>
+              <a:rPr lang="de-CH" dirty="0"/>
+              <a:t>Whitelisting statt </a:t>
+            </a:r>
+            <a:r>
+              <a:rPr lang="de-CH" dirty="0" err="1"/>
+              <a:t>Blacklisting</a:t>
+            </a:r>
+            <a:r>
+              <a:rPr lang="de-CH" dirty="0"/>
               <a:t>:</a:t>
             </a:r>
           </a:p>
           <a:p>
             <a:r>
-              <a:rPr lang="de-CH"/>
-              <a:t>Anwendungen mir die minimal erforderlichen Berechtigungen geben. </a:t>
-            </a:r>
+              <a:rPr lang="de-CH" dirty="0"/>
+              <a:t>Whitelisting statt </a:t>
+            </a:r>
+            <a:r>
+              <a:rPr lang="de-CH" dirty="0" err="1"/>
+              <a:t>Blacklisting</a:t>
+            </a:r>
+            <a:r>
+              <a:rPr lang="de-CH" dirty="0"/>
+              <a:t> verwenden um nur erlaubte Zeichen oder Eingaben zuzulassen.</a:t>
+            </a:r>
+          </a:p>
+          <a:p>
+            <a:endParaRPr lang="de-CH" dirty="0"/>
+          </a:p>
+          <a:p>
+            <a:endParaRPr lang="de-CH" dirty="0"/>
+          </a:p>
+          <a:p>
+            <a:r>
+              <a:rPr lang="de-CH" dirty="0"/>
+              <a:t>Berechtigungen Begrenzen:</a:t>
+            </a:r>
+          </a:p>
+          <a:p>
+            <a:r>
+              <a:rPr lang="de-CH" dirty="0"/>
+              <a:t>Datenbankbenutzer die Berechtigungen begrenzen und nur die minimale erforderlichen Zugriffsrechte gewähren.</a:t>
+            </a:r>
+          </a:p>
+          <a:p>
+            <a:endParaRPr lang="de-CH" dirty="0"/>
+          </a:p>
+          <a:p>
+            <a:endParaRPr lang="de-CH" dirty="0"/>
+          </a:p>
+          <a:p>
+            <a:endParaRPr lang="de-CH" dirty="0"/>
+          </a:p>
+          <a:p>
+            <a:endParaRPr lang="de-CH" dirty="0"/>
+          </a:p>
+          <a:p>
+            <a:endParaRPr lang="de-CH" dirty="0"/>
+          </a:p>
+          <a:p>
+            <a:endParaRPr lang="de-CH" dirty="0"/>
+          </a:p>
+          <a:p>
+            <a:pPr algn="l"/>
+            <a:endParaRPr lang="de-CH" dirty="0"/>
+          </a:p>
+          <a:p>
+            <a:pPr algn="l"/>
+            <a:endParaRPr lang="de-CH" dirty="0"/>
+          </a:p>
+          <a:p>
+            <a:pPr algn="l"/>
+            <a:endParaRPr lang="de-CH" dirty="0"/>
           </a:p>
         </p:txBody>
       </p:sp>
@@ -1007,6 +1209,145 @@
     <p:extLst>
       <p:ext uri="{BB962C8B-B14F-4D97-AF65-F5344CB8AC3E}">
         <p14:creationId xmlns:p14="http://schemas.microsoft.com/office/powerpoint/2010/main" val="4034879161"/>
+      </p:ext>
+    </p:extLst>
+  </p:cSld>
+  <p:clrMapOvr>
+    <a:masterClrMapping/>
+  </p:clrMapOvr>
+</p:notes>
+</file>
+
+<file path=ppt/notesSlides/notesSlide3.xml><?xml version="1.0" encoding="utf-8"?>
+<p:notes xmlns:a="http://schemas.openxmlformats.org/drawingml/2006/main" xmlns:r="http://schemas.openxmlformats.org/officeDocument/2006/relationships" xmlns:p="http://schemas.openxmlformats.org/presentationml/2006/main">
+  <p:cSld>
+    <p:spTree>
+      <p:nvGrpSpPr>
+        <p:cNvPr id="1" name=""/>
+        <p:cNvGrpSpPr/>
+        <p:nvPr/>
+      </p:nvGrpSpPr>
+      <p:grpSpPr>
+        <a:xfrm>
+          <a:off x="0" y="0"/>
+          <a:ext cx="0" cy="0"/>
+          <a:chOff x="0" y="0"/>
+          <a:chExt cx="0" cy="0"/>
+        </a:xfrm>
+      </p:grpSpPr>
+      <p:sp>
+        <p:nvSpPr>
+          <p:cNvPr id="2" name="Folienbildplatzhalter 1"/>
+          <p:cNvSpPr>
+            <a:spLocks noGrp="1" noRot="1" noChangeAspect="1"/>
+          </p:cNvSpPr>
+          <p:nvPr>
+            <p:ph type="sldImg"/>
+          </p:nvPr>
+        </p:nvSpPr>
+        <p:spPr/>
+      </p:sp>
+      <p:sp>
+        <p:nvSpPr>
+          <p:cNvPr id="3" name="Notizenplatzhalter 2"/>
+          <p:cNvSpPr>
+            <a:spLocks noGrp="1"/>
+          </p:cNvSpPr>
+          <p:nvPr>
+            <p:ph type="body" idx="1"/>
+          </p:nvPr>
+        </p:nvSpPr>
+        <p:spPr/>
+        <p:txBody>
+          <a:bodyPr/>
+          <a:lstStyle/>
+          <a:p>
+            <a:r>
+              <a:rPr lang="de-CH" dirty="0"/>
+              <a:t>Aktualisierte Software:</a:t>
+            </a:r>
+            <a:br>
+              <a:rPr lang="de-CH" dirty="0"/>
+            </a:br>
+            <a:r>
+              <a:rPr lang="de-CH" dirty="0"/>
+              <a:t>Regelmässig die Datenbank-Software aktualisieren, um Sicherheitspatches einzuspielen</a:t>
+            </a:r>
+          </a:p>
+          <a:p>
+            <a:endParaRPr lang="de-CH" dirty="0"/>
+          </a:p>
+          <a:p>
+            <a:endParaRPr lang="de-CH" dirty="0"/>
+          </a:p>
+          <a:p>
+            <a:r>
+              <a:rPr lang="de-CH" dirty="0"/>
+              <a:t>Firewall-Regel Implementieren:</a:t>
+            </a:r>
+          </a:p>
+          <a:p>
+            <a:r>
+              <a:rPr lang="de-CH" dirty="0"/>
+              <a:t>Firewall-Regel und Netzwerksicherheit Implementieren, um unbefugte Zugriff auf Datenbank zu verhindern.</a:t>
+            </a:r>
+          </a:p>
+          <a:p>
+            <a:endParaRPr lang="de-CH" dirty="0"/>
+          </a:p>
+          <a:p>
+            <a:endParaRPr lang="de-CH" dirty="0"/>
+          </a:p>
+          <a:p>
+            <a:r>
+              <a:rPr lang="de-CH" dirty="0"/>
+              <a:t>Regelmässige Sicherheitsaudit:</a:t>
+            </a:r>
+          </a:p>
+          <a:p>
+            <a:r>
+              <a:rPr lang="de-CH" dirty="0"/>
+              <a:t>Regelmässige Sicherheitsaudit durchführen, um potenzielle Schwachstellen zu erkennen und zu beheben.</a:t>
+            </a:r>
+          </a:p>
+          <a:p>
+            <a:endParaRPr lang="de-CH" dirty="0"/>
+          </a:p>
+          <a:p>
+            <a:endParaRPr lang="de-CH" dirty="0"/>
+          </a:p>
+          <a:p>
+            <a:endParaRPr lang="de-CH" dirty="0"/>
+          </a:p>
+        </p:txBody>
+      </p:sp>
+      <p:sp>
+        <p:nvSpPr>
+          <p:cNvPr id="4" name="Foliennummernplatzhalter 3"/>
+          <p:cNvSpPr>
+            <a:spLocks noGrp="1"/>
+          </p:cNvSpPr>
+          <p:nvPr>
+            <p:ph type="sldNum" sz="quarter" idx="5"/>
+          </p:nvPr>
+        </p:nvSpPr>
+        <p:spPr/>
+        <p:txBody>
+          <a:bodyPr/>
+          <a:lstStyle/>
+          <a:p>
+            <a:fld id="{6AE65518-FC38-4C1E-AFAB-585E16498D21}" type="slidenum">
+              <a:rPr lang="de-CH" smtClean="0"/>
+              <a:t>7</a:t>
+            </a:fld>
+            <a:endParaRPr lang="de-CH"/>
+          </a:p>
+        </p:txBody>
+      </p:sp>
+    </p:spTree>
+    <p:extLst>
+      <p:ext uri="{BB962C8B-B14F-4D97-AF65-F5344CB8AC3E}">
+        <p14:creationId xmlns:p14="http://schemas.microsoft.com/office/powerpoint/2010/main" val="3878637984"/>
       </p:ext>
     </p:extLst>
   </p:cSld>
@@ -1242,7 +1583,7 @@
           <a:p>
             <a:fld id="{292CAE90-D0EB-4270-B782-97488F05EFBA}" type="datetimeFigureOut">
               <a:rPr lang="de-CH" smtClean="0"/>
-              <a:t>03.07.2023</a:t>
+              <a:t>07.07.2023</a:t>
             </a:fld>
             <a:endParaRPr lang="de-CH"/>
           </a:p>
@@ -1450,7 +1791,7 @@
           <a:p>
             <a:fld id="{292CAE90-D0EB-4270-B782-97488F05EFBA}" type="datetimeFigureOut">
               <a:rPr lang="de-CH" smtClean="0"/>
-              <a:t>03.07.2023</a:t>
+              <a:t>07.07.2023</a:t>
             </a:fld>
             <a:endParaRPr lang="de-CH"/>
           </a:p>
@@ -1706,7 +2047,7 @@
           <a:p>
             <a:fld id="{292CAE90-D0EB-4270-B782-97488F05EFBA}" type="datetimeFigureOut">
               <a:rPr lang="de-CH" smtClean="0"/>
-              <a:t>03.07.2023</a:t>
+              <a:t>07.07.2023</a:t>
             </a:fld>
             <a:endParaRPr lang="de-CH"/>
           </a:p>
@@ -1880,7 +2221,7 @@
           <a:p>
             <a:fld id="{292CAE90-D0EB-4270-B782-97488F05EFBA}" type="datetimeFigureOut">
               <a:rPr lang="de-CH" smtClean="0"/>
-              <a:t>03.07.2023</a:t>
+              <a:t>07.07.2023</a:t>
             </a:fld>
             <a:endParaRPr lang="de-CH"/>
           </a:p>
@@ -2223,7 +2564,7 @@
           <a:p>
             <a:fld id="{292CAE90-D0EB-4270-B782-97488F05EFBA}" type="datetimeFigureOut">
               <a:rPr lang="de-CH" smtClean="0"/>
-              <a:t>03.07.2023</a:t>
+              <a:t>07.07.2023</a:t>
             </a:fld>
             <a:endParaRPr lang="de-CH"/>
           </a:p>
@@ -2498,7 +2839,7 @@
           <a:p>
             <a:fld id="{292CAE90-D0EB-4270-B782-97488F05EFBA}" type="datetimeFigureOut">
               <a:rPr lang="de-CH" smtClean="0"/>
-              <a:t>03.07.2023</a:t>
+              <a:t>07.07.2023</a:t>
             </a:fld>
             <a:endParaRPr lang="de-CH"/>
           </a:p>
@@ -2877,7 +3218,7 @@
           <a:p>
             <a:fld id="{292CAE90-D0EB-4270-B782-97488F05EFBA}" type="datetimeFigureOut">
               <a:rPr lang="de-CH" smtClean="0"/>
-              <a:t>03.07.2023</a:t>
+              <a:t>07.07.2023</a:t>
             </a:fld>
             <a:endParaRPr lang="de-CH"/>
           </a:p>
@@ -2995,7 +3336,7 @@
           <a:p>
             <a:fld id="{292CAE90-D0EB-4270-B782-97488F05EFBA}" type="datetimeFigureOut">
               <a:rPr lang="de-CH" smtClean="0"/>
-              <a:t>03.07.2023</a:t>
+              <a:t>07.07.2023</a:t>
             </a:fld>
             <a:endParaRPr lang="de-CH"/>
           </a:p>
@@ -3166,7 +3507,7 @@
           <a:p>
             <a:fld id="{292CAE90-D0EB-4270-B782-97488F05EFBA}" type="datetimeFigureOut">
               <a:rPr lang="de-CH" smtClean="0"/>
-              <a:t>03.07.2023</a:t>
+              <a:t>07.07.2023</a:t>
             </a:fld>
             <a:endParaRPr lang="de-CH"/>
           </a:p>
@@ -3520,7 +3861,7 @@
           <a:p>
             <a:fld id="{292CAE90-D0EB-4270-B782-97488F05EFBA}" type="datetimeFigureOut">
               <a:rPr lang="de-CH" smtClean="0"/>
-              <a:t>03.07.2023</a:t>
+              <a:t>07.07.2023</a:t>
             </a:fld>
             <a:endParaRPr lang="de-CH"/>
           </a:p>
@@ -3902,7 +4243,7 @@
           <a:p>
             <a:fld id="{292CAE90-D0EB-4270-B782-97488F05EFBA}" type="datetimeFigureOut">
               <a:rPr lang="de-CH" smtClean="0"/>
-              <a:t>03.07.2023</a:t>
+              <a:t>07.07.2023</a:t>
             </a:fld>
             <a:endParaRPr lang="de-CH"/>
           </a:p>
@@ -4189,7 +4530,7 @@
           <a:p>
             <a:fld id="{292CAE90-D0EB-4270-B782-97488F05EFBA}" type="datetimeFigureOut">
               <a:rPr lang="de-CH" smtClean="0"/>
-              <a:t>03.07.2023</a:t>
+              <a:t>07.07.2023</a:t>
             </a:fld>
             <a:endParaRPr lang="de-CH"/>
           </a:p>
@@ -5148,42 +5489,72 @@
           <a:lstStyle/>
           <a:p>
             <a:r>
-              <a:rPr lang="de-DE"/>
+              <a:rPr lang="de-DE" dirty="0"/>
               <a:t>Ein Angriffsart, wobei eine Anwendung oder Datenbank injiziert wird.</a:t>
             </a:r>
           </a:p>
           <a:p>
-            <a:endParaRPr lang="de-DE"/>
-          </a:p>
-          <a:p>
-            <a:r>
-              <a:rPr lang="de-DE"/>
+            <a:endParaRPr lang="de-DE" dirty="0"/>
+          </a:p>
+          <a:p>
+            <a:r>
+              <a:rPr lang="de-DE" dirty="0"/>
               <a:t>Durch Einfügung von nicht vertrauenswürdigen Daten in Eingabefelder oder andere Benutzereingaben</a:t>
             </a:r>
           </a:p>
           <a:p>
-            <a:endParaRPr lang="de-DE"/>
-          </a:p>
-          <a:p>
-            <a:r>
-              <a:rPr lang="de-DE"/>
+            <a:endParaRPr lang="de-DE" dirty="0"/>
+          </a:p>
+          <a:p>
+            <a:r>
+              <a:rPr lang="de-DE" dirty="0"/>
               <a:t>Code wird von Anwendung interpretiert und ausgeführt</a:t>
             </a:r>
           </a:p>
           <a:p>
-            <a:endParaRPr lang="de-DE"/>
-          </a:p>
-          <a:p>
-            <a:r>
-              <a:rPr lang="de-DE"/>
+            <a:endParaRPr lang="de-DE" dirty="0"/>
+          </a:p>
+          <a:p>
+            <a:r>
+              <a:rPr lang="de-DE" dirty="0"/>
               <a:t>Führt dann zu Sicherheitslücken</a:t>
             </a:r>
           </a:p>
           <a:p>
-            <a:endParaRPr lang="de-CH"/>
-          </a:p>
-        </p:txBody>
-      </p:sp>
+            <a:endParaRPr lang="de-CH" dirty="0"/>
+          </a:p>
+        </p:txBody>
+      </p:sp>
+      <p:pic>
+        <p:nvPicPr>
+          <p:cNvPr id="4" name="Grafik 3">
+            <a:extLst>
+              <a:ext uri="{FF2B5EF4-FFF2-40B4-BE49-F238E27FC236}">
+                <a16:creationId xmlns:a16="http://schemas.microsoft.com/office/drawing/2014/main" id="{C4A4482A-85F9-87AF-D88A-CB1D25501621}"/>
+              </a:ext>
+            </a:extLst>
+          </p:cNvPr>
+          <p:cNvPicPr>
+            <a:picLocks noChangeAspect="1"/>
+          </p:cNvPicPr>
+          <p:nvPr/>
+        </p:nvPicPr>
+        <p:blipFill>
+          <a:blip r:embed="rId3"/>
+          <a:stretch>
+            <a:fillRect/>
+          </a:stretch>
+        </p:blipFill>
+        <p:spPr>
+          <a:xfrm>
+            <a:off x="7064611" y="3379706"/>
+            <a:ext cx="4091069" cy="2153194"/>
+          </a:xfrm>
+          <a:prstGeom prst="rect">
+            <a:avLst/>
+          </a:prstGeom>
+        </p:spPr>
+      </p:pic>
     </p:spTree>
     <p:extLst>
       <p:ext uri="{BB962C8B-B14F-4D97-AF65-F5344CB8AC3E}">
@@ -5448,18 +5819,18 @@
           <a:lstStyle/>
           <a:p>
             <a:r>
-              <a:rPr lang="de-DE"/>
+              <a:rPr lang="de-DE" dirty="0"/>
               <a:t>Wie schützt man sich vor der SQL-</a:t>
             </a:r>
             <a:r>
-              <a:rPr lang="de-DE" err="1"/>
+              <a:rPr lang="de-DE" dirty="0" err="1"/>
               <a:t>Injection</a:t>
             </a:r>
             <a:r>
-              <a:rPr lang="de-DE"/>
+              <a:rPr lang="de-DE" dirty="0"/>
               <a:t>?</a:t>
             </a:r>
-            <a:endParaRPr lang="de-CH"/>
+            <a:endParaRPr lang="de-CH" dirty="0"/>
           </a:p>
         </p:txBody>
       </p:sp>
@@ -5484,59 +5855,128 @@
           <a:bodyPr/>
           <a:lstStyle/>
           <a:p>
-            <a:r>
-              <a:rPr lang="de-DE"/>
-              <a:t>Eingabevalidierung </a:t>
-            </a:r>
-          </a:p>
-          <a:p>
-            <a:pPr marL="457200" lvl="1" indent="0">
+            <a:pPr marL="0" indent="0">
               <a:buNone/>
             </a:pPr>
-            <a:endParaRPr lang="de-DE"/>
-          </a:p>
-          <a:p>
-            <a:r>
-              <a:rPr lang="de-DE" err="1"/>
+            <a:endParaRPr lang="de-DE" dirty="0"/>
+          </a:p>
+          <a:p>
+            <a:pPr marL="0" indent="0">
+              <a:buNone/>
+            </a:pPr>
+            <a:r>
+              <a:rPr lang="de-DE" dirty="0"/>
+              <a:t> </a:t>
+            </a:r>
+            <a:r>
+              <a:rPr lang="de-DE" dirty="0" err="1"/>
               <a:t>Parameterisierte</a:t>
             </a:r>
             <a:r>
-              <a:rPr lang="de-DE"/>
+              <a:rPr lang="de-DE" dirty="0"/>
               <a:t> Abfragen</a:t>
             </a:r>
           </a:p>
           <a:p>
-            <a:endParaRPr lang="de-DE"/>
-          </a:p>
-          <a:p>
-            <a:r>
-              <a:rPr lang="de-DE" err="1"/>
-              <a:t>Escaping</a:t>
-            </a:r>
-            <a:r>
-              <a:rPr lang="de-DE"/>
-              <a:t> und Encoding</a:t>
-            </a:r>
-          </a:p>
-          <a:p>
-            <a:endParaRPr lang="de-DE"/>
-          </a:p>
-          <a:p>
-            <a:r>
-              <a:rPr lang="de-DE"/>
-              <a:t>Least Privilege </a:t>
-            </a:r>
-            <a:r>
-              <a:rPr lang="de-DE" err="1"/>
-              <a:t>Principle</a:t>
-            </a:r>
-            <a:endParaRPr lang="de-DE"/>
-          </a:p>
-          <a:p>
-            <a:endParaRPr lang="de-DE"/>
-          </a:p>
-        </p:txBody>
-      </p:sp>
+            <a:endParaRPr lang="de-DE" dirty="0"/>
+          </a:p>
+          <a:p>
+            <a:pPr marL="0" indent="0">
+              <a:buNone/>
+            </a:pPr>
+            <a:r>
+              <a:rPr lang="de-DE" dirty="0"/>
+              <a:t> Validierung Benutzereingaben</a:t>
+            </a:r>
+          </a:p>
+          <a:p>
+            <a:endParaRPr lang="de-DE" dirty="0"/>
+          </a:p>
+          <a:p>
+            <a:pPr marL="0" indent="0">
+              <a:buNone/>
+            </a:pPr>
+            <a:r>
+              <a:rPr lang="de-DE" dirty="0"/>
+              <a:t> Whitelisting statt </a:t>
+            </a:r>
+            <a:r>
+              <a:rPr lang="de-DE" dirty="0" err="1"/>
+              <a:t>Blacklisting</a:t>
+            </a:r>
+            <a:endParaRPr lang="de-DE" dirty="0"/>
+          </a:p>
+          <a:p>
+            <a:pPr marL="0" indent="0">
+              <a:buNone/>
+            </a:pPr>
+            <a:endParaRPr lang="de-DE" dirty="0"/>
+          </a:p>
+          <a:p>
+            <a:pPr marL="0" indent="0">
+              <a:buNone/>
+            </a:pPr>
+            <a:r>
+              <a:rPr lang="de-DE" dirty="0"/>
+              <a:t> Berechtigungen Begrenzen</a:t>
+            </a:r>
+          </a:p>
+          <a:p>
+            <a:pPr marL="0" indent="0">
+              <a:buNone/>
+            </a:pPr>
+            <a:endParaRPr lang="de-DE" dirty="0"/>
+          </a:p>
+          <a:p>
+            <a:pPr marL="0" indent="0">
+              <a:buNone/>
+            </a:pPr>
+            <a:endParaRPr lang="de-DE" dirty="0"/>
+          </a:p>
+          <a:p>
+            <a:pPr marL="0" indent="0">
+              <a:buNone/>
+            </a:pPr>
+            <a:endParaRPr lang="de-DE" dirty="0"/>
+          </a:p>
+          <a:p>
+            <a:pPr marL="0" indent="0">
+              <a:buNone/>
+            </a:pPr>
+            <a:endParaRPr lang="de-DE" dirty="0"/>
+          </a:p>
+        </p:txBody>
+      </p:sp>
+      <p:pic>
+        <p:nvPicPr>
+          <p:cNvPr id="4" name="Grafik 3">
+            <a:extLst>
+              <a:ext uri="{FF2B5EF4-FFF2-40B4-BE49-F238E27FC236}">
+                <a16:creationId xmlns:a16="http://schemas.microsoft.com/office/drawing/2014/main" id="{FF190DE4-3C66-0A7F-7AAD-96444B991F4F}"/>
+              </a:ext>
+            </a:extLst>
+          </p:cNvPr>
+          <p:cNvPicPr>
+            <a:picLocks noChangeAspect="1"/>
+          </p:cNvPicPr>
+          <p:nvPr/>
+        </p:nvPicPr>
+        <p:blipFill>
+          <a:blip r:embed="rId3"/>
+          <a:stretch>
+            <a:fillRect/>
+          </a:stretch>
+        </p:blipFill>
+        <p:spPr>
+          <a:xfrm>
+            <a:off x="6096000" y="2050747"/>
+            <a:ext cx="4479321" cy="2756505"/>
+          </a:xfrm>
+          <a:prstGeom prst="rect">
+            <a:avLst/>
+          </a:prstGeom>
+        </p:spPr>
+      </p:pic>
     </p:spTree>
     <p:extLst>
       <p:ext uri="{BB962C8B-B14F-4D97-AF65-F5344CB8AC3E}">
@@ -5589,10 +6029,18 @@
           <a:lstStyle/>
           <a:p>
             <a:r>
-              <a:rPr lang="de-DE"/>
-              <a:t>Wie schützt man sich vor der SQL-Injection?</a:t>
-            </a:r>
-            <a:endParaRPr lang="de-CH"/>
+              <a:rPr lang="de-DE" dirty="0"/>
+              <a:t>Wie schützt man sich vor der SQL-</a:t>
+            </a:r>
+            <a:r>
+              <a:rPr lang="de-DE" dirty="0" err="1"/>
+              <a:t>Injection</a:t>
+            </a:r>
+            <a:r>
+              <a:rPr lang="de-DE" dirty="0"/>
+              <a:t>?</a:t>
+            </a:r>
+            <a:endParaRPr lang="de-CH" dirty="0"/>
           </a:p>
         </p:txBody>
       </p:sp>
@@ -5617,46 +6065,77 @@
           <a:bodyPr/>
           <a:lstStyle/>
           <a:p>
-            <a:r>
-              <a:rPr lang="de-DE"/>
+            <a:endParaRPr lang="de-DE" dirty="0"/>
+          </a:p>
+          <a:p>
+            <a:r>
+              <a:rPr lang="de-DE" dirty="0"/>
               <a:t>Aktualisierte Software</a:t>
             </a:r>
           </a:p>
           <a:p>
-            <a:endParaRPr lang="de-DE"/>
-          </a:p>
-          <a:p>
-            <a:r>
-              <a:rPr lang="de-DE"/>
-              <a:t>Sicherheitstests</a:t>
-            </a:r>
-          </a:p>
-          <a:p>
-            <a:endParaRPr lang="de-DE"/>
-          </a:p>
-          <a:p>
-            <a:r>
-              <a:rPr lang="de-DE"/>
-              <a:t>Sichere Konfiguration</a:t>
-            </a:r>
-          </a:p>
-          <a:p>
-            <a:endParaRPr lang="de-DE"/>
-          </a:p>
-          <a:p>
-            <a:r>
-              <a:rPr lang="de-DE"/>
-              <a:t>Sicherheitsbewusstsein</a:t>
-            </a:r>
-          </a:p>
-          <a:p>
-            <a:endParaRPr lang="de-DE"/>
-          </a:p>
-          <a:p>
-            <a:endParaRPr lang="de-CH"/>
-          </a:p>
-        </p:txBody>
-      </p:sp>
+            <a:endParaRPr lang="de-DE" dirty="0"/>
+          </a:p>
+          <a:p>
+            <a:r>
+              <a:rPr lang="de-DE" dirty="0"/>
+              <a:t>Firewall-Regel Implementieren</a:t>
+            </a:r>
+          </a:p>
+          <a:p>
+            <a:endParaRPr lang="de-DE" dirty="0"/>
+          </a:p>
+          <a:p>
+            <a:r>
+              <a:rPr lang="de-DE" dirty="0" err="1"/>
+              <a:t>Regelmässige</a:t>
+            </a:r>
+            <a:r>
+              <a:rPr lang="de-DE" dirty="0"/>
+              <a:t> Sicherheitsaudit</a:t>
+            </a:r>
+          </a:p>
+          <a:p>
+            <a:pPr marL="0" indent="0">
+              <a:buNone/>
+            </a:pPr>
+            <a:endParaRPr lang="de-DE" dirty="0"/>
+          </a:p>
+          <a:p>
+            <a:endParaRPr lang="de-CH" dirty="0"/>
+          </a:p>
+        </p:txBody>
+      </p:sp>
+      <p:pic>
+        <p:nvPicPr>
+          <p:cNvPr id="4" name="Grafik 3">
+            <a:extLst>
+              <a:ext uri="{FF2B5EF4-FFF2-40B4-BE49-F238E27FC236}">
+                <a16:creationId xmlns:a16="http://schemas.microsoft.com/office/drawing/2014/main" id="{1606FDCE-76D3-1C46-3AEE-EE1B3398EE55}"/>
+              </a:ext>
+            </a:extLst>
+          </p:cNvPr>
+          <p:cNvPicPr>
+            <a:picLocks noChangeAspect="1"/>
+          </p:cNvPicPr>
+          <p:nvPr/>
+        </p:nvPicPr>
+        <p:blipFill>
+          <a:blip r:embed="rId3"/>
+          <a:stretch>
+            <a:fillRect/>
+          </a:stretch>
+        </p:blipFill>
+        <p:spPr>
+          <a:xfrm>
+            <a:off x="6096000" y="2050747"/>
+            <a:ext cx="4479321" cy="2756505"/>
+          </a:xfrm>
+          <a:prstGeom prst="rect">
+            <a:avLst/>
+          </a:prstGeom>
+        </p:spPr>
+      </p:pic>
     </p:spTree>
     <p:extLst>
       <p:ext uri="{BB962C8B-B14F-4D97-AF65-F5344CB8AC3E}">
@@ -6249,6 +6728,15 @@
 </file>
 
 <file path=customXml/item1.xml><?xml version="1.0" encoding="utf-8"?>
+<?mso-contentType ?>
+<FormTemplates xmlns="http://schemas.microsoft.com/sharepoint/v3/contenttype/forms">
+  <Display>DocumentLibraryForm</Display>
+  <Edit>DocumentLibraryForm</Edit>
+  <New>DocumentLibraryForm</New>
+</FormTemplates>
+</file>
+
+<file path=customXml/item2.xml><?xml version="1.0" encoding="utf-8"?>
 <ct:contentTypeSchema xmlns:ct="http://schemas.microsoft.com/office/2006/metadata/contentType" xmlns:ma="http://schemas.microsoft.com/office/2006/metadata/properties/metaAttributes" ct:_="" ma:_="" ma:contentTypeName="Dokument" ma:contentTypeID="0x010100854413AF1855454DBE8B2CEC676DF6FA" ma:contentTypeVersion="11" ma:contentTypeDescription="Ein neues Dokument erstellen." ma:contentTypeScope="" ma:versionID="95beb1322c0ace18514328d3f3c78a47">
   <xsd:schema xmlns:xsd="http://www.w3.org/2001/XMLSchema" xmlns:xs="http://www.w3.org/2001/XMLSchema" xmlns:p="http://schemas.microsoft.com/office/2006/metadata/properties" xmlns:ns2="3f2a3c41-849a-4705-8e2f-f660ddb34436" xmlns:ns3="654e2b54-e3bf-49f3-b135-de19a7fc17e9" targetNamespace="http://schemas.microsoft.com/office/2006/metadata/properties" ma:root="true" ma:fieldsID="6805c89a99ebc27bba5153b01287602f" ns2:_="" ns3:_="">
     <xsd:import namespace="3f2a3c41-849a-4705-8e2f-f660ddb34436"/>
@@ -6443,16 +6931,15 @@
 </ct:contentTypeSchema>
 </file>
 
-<file path=customXml/item2.xml><?xml version="1.0" encoding="utf-8"?>
-<?mso-contentType ?>
-<FormTemplates xmlns="http://schemas.microsoft.com/sharepoint/v3/contenttype/forms">
-  <Display>DocumentLibraryForm</Display>
-  <Edit>DocumentLibraryForm</Edit>
-  <New>DocumentLibraryForm</New>
-</FormTemplates>
+<file path=customXml/itemProps1.xml><?xml version="1.0" encoding="utf-8"?>
+<ds:datastoreItem xmlns:ds="http://schemas.openxmlformats.org/officeDocument/2006/customXml" ds:itemID="{D674FF00-5EDD-43B9-AB5A-B55CC29D5911}">
+  <ds:schemaRefs>
+    <ds:schemaRef ds:uri="http://schemas.microsoft.com/sharepoint/v3/contenttype/forms"/>
+  </ds:schemaRefs>
+</ds:datastoreItem>
 </file>
 
-<file path=customXml/itemProps1.xml><?xml version="1.0" encoding="utf-8"?>
+<file path=customXml/itemProps2.xml><?xml version="1.0" encoding="utf-8"?>
 <ds:datastoreItem xmlns:ds="http://schemas.openxmlformats.org/officeDocument/2006/customXml" ds:itemID="{BF6A1E18-8330-4101-8237-6DDE19274EF8}">
   <ds:schemaRefs>
     <ds:schemaRef ds:uri="3f2a3c41-849a-4705-8e2f-f660ddb34436"/>
@@ -6469,12 +6956,4 @@
     <ds:schemaRef ds:uri="http://www.w3.org/2001/XMLSchema"/>
   </ds:schemaRefs>
 </ds:datastoreItem>
-</file>
-
-<file path=customXml/itemProps2.xml><?xml version="1.0" encoding="utf-8"?>
-<ds:datastoreItem xmlns:ds="http://schemas.openxmlformats.org/officeDocument/2006/customXml" ds:itemID="{D674FF00-5EDD-43B9-AB5A-B55CC29D5911}">
-  <ds:schemaRefs>
-    <ds:schemaRef ds:uri="http://schemas.microsoft.com/sharepoint/v3/contenttype/forms"/>
-  </ds:schemaRefs>
-</ds:datastoreItem>
 </file>